--- a/ppts/filter/Adaptive Rendering Based on Weighted Local Regression.pptx
+++ b/ppts/filter/Adaptive Rendering Based on Weighted Local Regression.pptx
@@ -2854,7 +2854,7 @@
           <a:p>
             <a:fld id="{116CA9A1-49A5-4813-BE73-64411D697E83}" type="datetimeFigureOut">
               <a:rPr kumimoji="1" lang="ja-JP" altLang="en-US" smtClean="0"/>
-              <a:t>2020/4/6</a:t>
+              <a:t>2020/4/8</a:t>
             </a:fld>
             <a:endParaRPr kumimoji="1" lang="ja-JP" altLang="en-US"/>
           </a:p>
@@ -3019,7 +3019,7 @@
           <a:p>
             <a:fld id="{BB218005-AB2E-4230-9CBF-EC876F8C3946}" type="datetimeFigureOut">
               <a:rPr kumimoji="1" lang="ja-JP" altLang="en-US" smtClean="0"/>
-              <a:t>2020/4/6</a:t>
+              <a:t>2020/4/8</a:t>
             </a:fld>
             <a:endParaRPr kumimoji="1" lang="ja-JP" altLang="en-US"/>
           </a:p>
@@ -7261,7 +7261,7 @@
             </a:pPr>
             <a:r>
               <a:rPr lang="ja-JP" altLang="en-US" sz="2000" dirty="0"/>
-              <a:t>局所回帰を用いたサンプリングと再構成</a:t>
+              <a:t>高次元特徴空間における重み付き局所回帰を用いたサンプリングと再構成</a:t>
             </a:r>
             <a:endParaRPr lang="en-US" altLang="ja-JP" sz="2000" dirty="0"/>
           </a:p>
@@ -7294,40 +7294,9 @@
               <a:buChar char="-"/>
             </a:pPr>
             <a:r>
-              <a:rPr lang="ja-JP" altLang="en-US" sz="2000" dirty="0"/>
-              <a:t>積分空間 </a:t>
+              <a:rPr lang="en-US" altLang="ja-JP" sz="2000" dirty="0"/>
+              <a:t>[Rousselle et al.2012; Li et al. 2012; Kalantari and Sen 2013]</a:t>
             </a:r>
-            <a:r>
-              <a:rPr lang="en-US" altLang="ja-JP" sz="2000" dirty="0"/>
-              <a:t>e.g. [Hachisuka et al. 2008]</a:t>
-            </a:r>
-          </a:p>
-          <a:p>
-            <a:pPr>
-              <a:buFontTx/>
-              <a:buChar char="-"/>
-            </a:pPr>
-            <a:r>
-              <a:rPr lang="ja-JP" altLang="en-US" sz="2000" dirty="0"/>
-              <a:t>画像空間 ←近年</a:t>
-            </a:r>
-            <a:r>
-              <a:rPr lang="en-US" altLang="ja-JP" sz="2000" dirty="0"/>
-              <a:t>(2014</a:t>
-            </a:r>
-            <a:r>
-              <a:rPr lang="ja-JP" altLang="en-US" sz="2000" dirty="0"/>
-              <a:t>現在</a:t>
-            </a:r>
-            <a:r>
-              <a:rPr lang="en-US" altLang="ja-JP" sz="2000" dirty="0"/>
-              <a:t>)</a:t>
-            </a:r>
-            <a:r>
-              <a:rPr lang="ja-JP" altLang="en-US" sz="2000" dirty="0"/>
-              <a:t>主流</a:t>
-            </a:r>
-            <a:endParaRPr lang="en-US" altLang="ja-JP" sz="2000" dirty="0"/>
           </a:p>
           <a:p>
             <a:pPr lvl="1">
@@ -7336,7 +7305,7 @@
             </a:pPr>
             <a:r>
               <a:rPr lang="ja-JP" altLang="en-US" sz="1600" dirty="0"/>
-              <a:t>既存の画像処理技術を流用</a:t>
+              <a:t>アニメーション応用でちらつき</a:t>
             </a:r>
             <a:endParaRPr lang="en-US" altLang="ja-JP" sz="1600" dirty="0"/>
           </a:p>
@@ -7347,59 +7316,8 @@
             </a:pPr>
             <a:r>
               <a:rPr lang="ja-JP" altLang="en-US" sz="1600" dirty="0"/>
-              <a:t>違い：法線、テクスチャ、デプスなどを用いる</a:t>
+              <a:t>これらよりベンチで数値的に良結果</a:t>
             </a:r>
-            <a:endParaRPr lang="en-US" altLang="ja-JP" sz="1600" dirty="0"/>
-          </a:p>
-          <a:p>
-            <a:pPr lvl="1">
-              <a:buFontTx/>
-              <a:buChar char="-"/>
-            </a:pPr>
-            <a:r>
-              <a:rPr lang="ja-JP" altLang="en-US" sz="1600" dirty="0"/>
-              <a:t>一方、これらの特徴にノイズが多いことも</a:t>
-            </a:r>
-            <a:endParaRPr lang="en-US" altLang="ja-JP" sz="1600" dirty="0"/>
-          </a:p>
-          <a:p>
-            <a:pPr lvl="1">
-              <a:buFontTx/>
-              <a:buChar char="-"/>
-            </a:pPr>
-            <a:r>
-              <a:rPr lang="ja-JP" altLang="en-US" sz="1600" dirty="0"/>
-              <a:t>また、フィルタリングの過程で重要な特徴は変わるが、そこに着目されていない</a:t>
-            </a:r>
-            <a:r>
-              <a:rPr lang="en-US" altLang="ja-JP" sz="1600" dirty="0"/>
-              <a:t>[Sen and </a:t>
-            </a:r>
-            <a:r>
-              <a:rPr lang="en-US" altLang="ja-JP" sz="1600" dirty="0" err="1"/>
-              <a:t>Darabi</a:t>
-            </a:r>
-            <a:r>
-              <a:rPr lang="en-US" altLang="ja-JP" sz="1600" dirty="0"/>
-              <a:t> 2012]</a:t>
-            </a:r>
-          </a:p>
-          <a:p>
-            <a:pPr lvl="1">
-              <a:buFontTx/>
-              <a:buChar char="-"/>
-            </a:pPr>
-            <a:endParaRPr lang="en-US" altLang="ja-JP" sz="1600" dirty="0">
-              <a:solidFill>
-                <a:srgbClr val="FF0000"/>
-              </a:solidFill>
-            </a:endParaRPr>
-          </a:p>
-          <a:p>
-            <a:pPr lvl="1">
-              <a:buFontTx/>
-              <a:buChar char="-"/>
-            </a:pPr>
             <a:endParaRPr lang="en-US" altLang="ja-JP" sz="1200" dirty="0"/>
           </a:p>
           <a:p>
@@ -7442,7 +7360,7 @@
         </p:spPr>
         <p:txBody>
           <a:bodyPr vert="horz" lIns="91440" tIns="45720" rIns="91440" bIns="45720" rtlCol="0">
-            <a:normAutofit fontScale="92500" lnSpcReduction="10000"/>
+            <a:normAutofit/>
           </a:bodyPr>
           <a:lstStyle>
             <a:lvl1pPr marL="228600" indent="-228600" algn="l" defTabSz="914400" rtl="0" eaLnBrk="1" latinLnBrk="0" hangingPunct="1">
@@ -7623,25 +7541,12 @@
               <a:rPr lang="en-US" altLang="ja-JP" sz="2000" dirty="0"/>
               <a:t>MC</a:t>
             </a:r>
+            <a:endParaRPr lang="ja-JP" altLang="en-US" sz="2000" dirty="0"/>
+          </a:p>
+          <a:p>
             <a:r>
-              <a:rPr lang="ja-JP" altLang="en-US" sz="2000" dirty="0"/>
-              <a:t>サンプルから</a:t>
-            </a:r>
-            <a:r>
-              <a:rPr lang="en-US" altLang="ja-JP" sz="2000" dirty="0"/>
-              <a:t>Wavelet</a:t>
-            </a:r>
-            <a:r>
-              <a:rPr lang="ja-JP" altLang="en-US" sz="2000" dirty="0"/>
-              <a:t>係数を計算しエッジを得る→適切な</a:t>
-            </a:r>
-            <a:r>
-              <a:rPr lang="en-US" altLang="ja-JP" sz="2000" dirty="0"/>
-              <a:t>Wavelet</a:t>
-            </a:r>
-            <a:r>
-              <a:rPr lang="ja-JP" altLang="en-US" sz="2000" dirty="0"/>
-              <a:t>近似で画像を再構成</a:t>
+              <a:rPr lang="ja-JP" altLang="en-US" sz="2000" b="1" dirty="0"/>
+              <a:t>結果</a:t>
             </a:r>
             <a:endParaRPr lang="en-US" altLang="ja-JP" sz="2000" dirty="0"/>
           </a:p>
@@ -7652,15 +7557,52 @@
             </a:pPr>
             <a:r>
               <a:rPr lang="ja-JP" altLang="en-US" sz="2000" dirty="0"/>
-              <a:t>自然画像は画像空間か別次元に滑らかな領域を持つので、サンプル数を上げるよりこの滑らかさを利用する</a:t>
+              <a:t>様々な効果で一貫して</a:t>
             </a:r>
+            <a:r>
+              <a:rPr lang="en-US" altLang="ja-JP" sz="2000" dirty="0"/>
+              <a:t>SOTA</a:t>
+            </a:r>
+            <a:r>
+              <a:rPr lang="ja-JP" altLang="en-US" sz="2000" dirty="0"/>
+              <a:t>より好結果</a:t>
+            </a:r>
+            <a:endParaRPr lang="en-US" altLang="ja-JP" sz="2000" dirty="0"/>
+          </a:p>
+          <a:p>
+            <a:pPr>
+              <a:buFontTx/>
+              <a:buChar char="-"/>
+            </a:pPr>
+            <a:endParaRPr lang="ja-JP" altLang="en-US" sz="2000" dirty="0"/>
           </a:p>
           <a:p>
             <a:r>
               <a:rPr lang="ja-JP" altLang="en-US" sz="2000" b="1" dirty="0"/>
-              <a:t>結果</a:t>
+              <a:t>制限と今後の課題</a:t>
+            </a:r>
+          </a:p>
+          <a:p>
+            <a:pPr>
+              <a:buFontTx/>
+              <a:buChar char="-"/>
+            </a:pPr>
+            <a:r>
+              <a:rPr lang="ja-JP" altLang="en-US" sz="2000" dirty="0"/>
+              <a:t>外れ値をロバストに処理</a:t>
             </a:r>
             <a:endParaRPr lang="en-US" altLang="ja-JP" sz="2000" dirty="0"/>
+          </a:p>
+          <a:p>
+            <a:pPr lvl="1">
+              <a:buFontTx/>
+              <a:buChar char="-"/>
+            </a:pPr>
+            <a:r>
+              <a:rPr lang="ja-JP" altLang="en-US" sz="1600" dirty="0"/>
+              <a:t>ノイズの多いテクスチャやモーションブラーなどのノイズの原因を解析し、プリフィルタをかける</a:t>
+            </a:r>
+            <a:endParaRPr lang="en-US" altLang="ja-JP" sz="1600" dirty="0"/>
           </a:p>
           <a:p>
             <a:pPr>
@@ -7669,74 +7611,76 @@
             </a:pPr>
             <a:r>
               <a:rPr lang="en-US" altLang="ja-JP" sz="2000" dirty="0"/>
-              <a:t>MC</a:t>
+              <a:t>photon mapping</a:t>
             </a:r>
             <a:r>
               <a:rPr lang="ja-JP" altLang="en-US" sz="2000" dirty="0"/>
-              <a:t>や他の適応的サンプリングよりサンプル数小</a:t>
+              <a:t>との違い分析</a:t>
             </a:r>
             <a:endParaRPr lang="en-US" altLang="ja-JP" sz="2000" dirty="0"/>
+          </a:p>
+          <a:p>
+            <a:pPr lvl="1">
+              <a:buFontTx/>
+              <a:buChar char="-"/>
+            </a:pPr>
+            <a:r>
+              <a:rPr lang="ja-JP" altLang="en-US" sz="1600" dirty="0"/>
+              <a:t>密度推定と局所回帰は同じ統計仮定に基づくため</a:t>
+            </a:r>
+            <a:endParaRPr lang="en-US" altLang="ja-JP" sz="1600" dirty="0"/>
+          </a:p>
+          <a:p>
+            <a:pPr lvl="1">
+              <a:buFontTx/>
+              <a:buChar char="-"/>
+            </a:pPr>
+            <a:r>
+              <a:rPr lang="en-US" altLang="ja-JP" sz="1600" dirty="0"/>
+              <a:t>[</a:t>
+            </a:r>
+            <a:r>
+              <a:rPr lang="en-US" altLang="ja-JP" sz="1600" dirty="0" err="1"/>
+              <a:t>Kaplanyan</a:t>
+            </a:r>
+            <a:r>
+              <a:rPr lang="en-US" altLang="ja-JP" sz="1600" dirty="0"/>
+              <a:t> and </a:t>
+            </a:r>
+            <a:r>
+              <a:rPr lang="en-US" altLang="ja-JP" sz="1600" dirty="0" err="1"/>
+              <a:t>Dachsbacher</a:t>
+            </a:r>
+            <a:r>
+              <a:rPr lang="en-US" altLang="ja-JP" sz="1600" dirty="0"/>
+              <a:t> 2013]</a:t>
+            </a:r>
+            <a:r>
+              <a:rPr lang="ja-JP" altLang="en-US" sz="1600" dirty="0"/>
+              <a:t>は局所回帰を</a:t>
+            </a:r>
+            <a:r>
+              <a:rPr lang="en-US" altLang="ja-JP" sz="1600" dirty="0"/>
+              <a:t>PPM</a:t>
+            </a:r>
+            <a:r>
+              <a:rPr lang="ja-JP" altLang="en-US" sz="1600" dirty="0"/>
+              <a:t>に用いている</a:t>
+            </a:r>
+            <a:endParaRPr lang="en-US" altLang="ja-JP" sz="1600" dirty="0"/>
+          </a:p>
+          <a:p>
+            <a:pPr lvl="1">
+              <a:buFontTx/>
+              <a:buChar char="-"/>
+            </a:pPr>
+            <a:endParaRPr lang="en-US" altLang="ja-JP" sz="1600" dirty="0"/>
           </a:p>
           <a:p>
             <a:pPr>
               <a:buFontTx/>
               <a:buChar char="-"/>
             </a:pPr>
-            <a:r>
-              <a:rPr lang="en-US" altLang="ja-JP" sz="2000" dirty="0"/>
-              <a:t>Depth of field, area lighting, motion blur, and global illumination.</a:t>
-            </a:r>
-            <a:endParaRPr lang="ja-JP" altLang="en-US" sz="2000" dirty="0"/>
-          </a:p>
-          <a:p>
-            <a:r>
-              <a:rPr lang="ja-JP" altLang="en-US" sz="2000" b="1" dirty="0"/>
-              <a:t>制限と今後の課題</a:t>
-            </a:r>
-          </a:p>
-          <a:p>
-            <a:pPr>
-              <a:buFontTx/>
-              <a:buChar char="-"/>
-            </a:pPr>
-            <a:r>
-              <a:rPr lang="ja-JP" altLang="en-US" sz="2000" dirty="0"/>
-              <a:t>画像空間以外でのサンプリングで最適化していない（次元の呪いを避けるため）</a:t>
-            </a:r>
-            <a:endParaRPr lang="en-US" altLang="ja-JP" sz="2000" dirty="0"/>
-          </a:p>
-          <a:p>
-            <a:pPr marL="0" indent="0">
-              <a:buNone/>
-            </a:pPr>
-            <a:r>
-              <a:rPr lang="ja-JP" altLang="en-US" sz="2000" dirty="0"/>
-              <a:t>このため低次元画像にも高次元サンプル</a:t>
-            </a:r>
-            <a:endParaRPr lang="en-US" altLang="ja-JP" sz="2000" dirty="0"/>
-          </a:p>
-          <a:p>
-            <a:pPr marL="0" indent="0">
-              <a:buNone/>
-            </a:pPr>
-            <a:r>
-              <a:rPr lang="ja-JP" altLang="en-US" sz="2000" dirty="0"/>
-              <a:t>今のままでも余計なコストは掛からないが、低次元特徴を活かせるかも？</a:t>
-            </a:r>
-            <a:endParaRPr lang="en-US" altLang="ja-JP" sz="2000" dirty="0"/>
-          </a:p>
-          <a:p>
-            <a:pPr marL="0" indent="0">
-              <a:buNone/>
-            </a:pPr>
-            <a:r>
-              <a:rPr lang="en-US" altLang="ja-JP" sz="2000" dirty="0"/>
-              <a:t>- </a:t>
-            </a:r>
-            <a:r>
-              <a:rPr lang="ja-JP" altLang="en-US" sz="2000" dirty="0"/>
-              <a:t>動画にも応用したい</a:t>
-            </a:r>
             <a:endParaRPr lang="en-US" altLang="ja-JP" sz="2000" dirty="0"/>
           </a:p>
         </p:txBody>

--- a/ppts/filter/Adaptive Rendering Based on Weighted Local Regression.pptx
+++ b/ppts/filter/Adaptive Rendering Based on Weighted Local Regression.pptx
@@ -5,16 +5,17 @@
     <p:sldMasterId id="2147483658" r:id="rId1"/>
   </p:sldMasterIdLst>
   <p:notesMasterIdLst>
-    <p:notesMasterId r:id="rId6"/>
+    <p:notesMasterId r:id="rId7"/>
   </p:notesMasterIdLst>
   <p:handoutMasterIdLst>
-    <p:handoutMasterId r:id="rId7"/>
+    <p:handoutMasterId r:id="rId8"/>
   </p:handoutMasterIdLst>
   <p:sldIdLst>
     <p:sldId id="717" r:id="rId2"/>
-    <p:sldId id="714" r:id="rId3"/>
+    <p:sldId id="724" r:id="rId3"/>
     <p:sldId id="713" r:id="rId4"/>
-    <p:sldId id="723" r:id="rId5"/>
+    <p:sldId id="714" r:id="rId5"/>
+    <p:sldId id="725" r:id="rId6"/>
   </p:sldIdLst>
   <p:sldSz cx="12192000" cy="6858000"/>
   <p:notesSz cx="6858000" cy="9144000"/>
@@ -6869,10 +6870,40 @@
           </a:p>
         </p:txBody>
       </p:sp>
+      <p:pic>
+        <p:nvPicPr>
+          <p:cNvPr id="5" name="図 4">
+            <a:extLst>
+              <a:ext uri="{FF2B5EF4-FFF2-40B4-BE49-F238E27FC236}">
+                <a16:creationId xmlns:a16="http://schemas.microsoft.com/office/drawing/2014/main" id="{DD7D888F-C299-4A11-AD92-9A702874F7A5}"/>
+              </a:ext>
+            </a:extLst>
+          </p:cNvPr>
+          <p:cNvPicPr>
+            <a:picLocks noChangeAspect="1"/>
+          </p:cNvPicPr>
+          <p:nvPr/>
+        </p:nvPicPr>
+        <p:blipFill>
+          <a:blip r:embed="rId2"/>
+          <a:stretch>
+            <a:fillRect/>
+          </a:stretch>
+        </p:blipFill>
+        <p:spPr>
+          <a:xfrm>
+            <a:off x="559568" y="1700690"/>
+            <a:ext cx="11297072" cy="3675544"/>
+          </a:xfrm>
+          <a:prstGeom prst="rect">
+            <a:avLst/>
+          </a:prstGeom>
+        </p:spPr>
+      </p:pic>
     </p:spTree>
     <p:extLst>
       <p:ext uri="{BB962C8B-B14F-4D97-AF65-F5344CB8AC3E}">
-        <p14:creationId xmlns:p14="http://schemas.microsoft.com/office/powerpoint/2010/main" val="719560211"/>
+        <p14:creationId xmlns:p14="http://schemas.microsoft.com/office/powerpoint/2010/main" val="1976970528"/>
       </p:ext>
     </p:extLst>
   </p:cSld>
@@ -7538,9 +7569,24 @@
               <a:buChar char="-"/>
             </a:pPr>
             <a:r>
+              <a:rPr lang="ja-JP" altLang="en-US" sz="2000" dirty="0"/>
+              <a:t>重み付き局所回帰による</a:t>
+            </a:r>
+            <a:r>
               <a:rPr lang="en-US" altLang="ja-JP" sz="2000" dirty="0"/>
-              <a:t>MC</a:t>
+              <a:t>image-space</a:t>
             </a:r>
+            <a:r>
+              <a:rPr lang="ja-JP" altLang="en-US" sz="2000"/>
+              <a:t>サンプリング、再構成</a:t>
+            </a:r>
+            <a:endParaRPr lang="en-US" altLang="ja-JP" sz="2000" dirty="0"/>
+          </a:p>
+          <a:p>
+            <a:pPr>
+              <a:buFontTx/>
+              <a:buChar char="-"/>
+            </a:pPr>
             <a:endParaRPr lang="ja-JP" altLang="en-US" sz="2000" dirty="0"/>
           </a:p>
           <a:p>
@@ -7853,10 +7899,238 @@
           </a:p>
         </p:txBody>
       </p:sp>
+      <p:pic>
+        <p:nvPicPr>
+          <p:cNvPr id="3" name="図 2">
+            <a:extLst>
+              <a:ext uri="{FF2B5EF4-FFF2-40B4-BE49-F238E27FC236}">
+                <a16:creationId xmlns:a16="http://schemas.microsoft.com/office/drawing/2014/main" id="{99540622-AB8A-4CB7-8620-D58D81D68281}"/>
+              </a:ext>
+            </a:extLst>
+          </p:cNvPr>
+          <p:cNvPicPr>
+            <a:picLocks noChangeAspect="1"/>
+          </p:cNvPicPr>
+          <p:nvPr/>
+        </p:nvPicPr>
+        <p:blipFill>
+          <a:blip r:embed="rId2"/>
+          <a:stretch>
+            <a:fillRect/>
+          </a:stretch>
+        </p:blipFill>
+        <p:spPr>
+          <a:xfrm>
+            <a:off x="2709297" y="1203183"/>
+            <a:ext cx="6458851" cy="4734586"/>
+          </a:xfrm>
+          <a:prstGeom prst="rect">
+            <a:avLst/>
+          </a:prstGeom>
+        </p:spPr>
+      </p:pic>
     </p:spTree>
     <p:extLst>
       <p:ext uri="{BB962C8B-B14F-4D97-AF65-F5344CB8AC3E}">
-        <p14:creationId xmlns:p14="http://schemas.microsoft.com/office/powerpoint/2010/main" val="2129785906"/>
+        <p14:creationId xmlns:p14="http://schemas.microsoft.com/office/powerpoint/2010/main" val="719560211"/>
+      </p:ext>
+    </p:extLst>
+  </p:cSld>
+  <p:clrMapOvr>
+    <a:masterClrMapping/>
+  </p:clrMapOvr>
+</p:sld>
+</file>
+
+<file path=ppt/slides/slide5.xml><?xml version="1.0" encoding="utf-8"?>
+<p:sld xmlns:a="http://schemas.openxmlformats.org/drawingml/2006/main" xmlns:r="http://schemas.openxmlformats.org/officeDocument/2006/relationships" xmlns:p="http://schemas.openxmlformats.org/presentationml/2006/main">
+  <p:cSld>
+    <p:spTree>
+      <p:nvGrpSpPr>
+        <p:cNvPr id="1" name=""/>
+        <p:cNvGrpSpPr/>
+        <p:nvPr/>
+      </p:nvGrpSpPr>
+      <p:grpSpPr>
+        <a:xfrm>
+          <a:off x="0" y="0"/>
+          <a:ext cx="0" cy="0"/>
+          <a:chOff x="0" y="0"/>
+          <a:chExt cx="0" cy="0"/>
+        </a:xfrm>
+      </p:grpSpPr>
+      <p:sp>
+        <p:nvSpPr>
+          <p:cNvPr id="4" name="タイトル 3"/>
+          <p:cNvSpPr>
+            <a:spLocks noGrp="1"/>
+          </p:cNvSpPr>
+          <p:nvPr>
+            <p:ph type="title"/>
+          </p:nvPr>
+        </p:nvSpPr>
+        <p:spPr/>
+        <p:txBody>
+          <a:bodyPr/>
+          <a:lstStyle/>
+          <a:p>
+            <a:pPr>
+              <a:lnSpc>
+                <a:spcPct val="130000"/>
+              </a:lnSpc>
+              <a:spcAft>
+                <a:spcPts val="1477"/>
+              </a:spcAft>
+            </a:pPr>
+            <a:r>
+              <a:rPr lang="en-US" altLang="ja-JP" sz="1800" b="1" dirty="0">
+                <a:latin typeface="+mn-ea"/>
+              </a:rPr>
+              <a:t>Adaptive Rendering Based on Weighted Local Regression</a:t>
+            </a:r>
+          </a:p>
+        </p:txBody>
+      </p:sp>
+      <p:sp>
+        <p:nvSpPr>
+          <p:cNvPr id="2" name="スライド番号プレースホルダー 1"/>
+          <p:cNvSpPr>
+            <a:spLocks noGrp="1"/>
+          </p:cNvSpPr>
+          <p:nvPr>
+            <p:ph type="sldNum" sz="quarter" idx="4"/>
+          </p:nvPr>
+        </p:nvSpPr>
+        <p:spPr/>
+        <p:txBody>
+          <a:bodyPr/>
+          <a:lstStyle/>
+          <a:p>
+            <a:fld id="{FB3508C7-2FE0-4945-9CBD-863E05F850D2}" type="slidenum">
+              <a:rPr lang="ja-JP" altLang="en-US" smtClean="0"/>
+              <a:pPr/>
+              <a:t>4</a:t>
+            </a:fld>
+            <a:endParaRPr lang="ja-JP" altLang="en-US" dirty="0"/>
+          </a:p>
+        </p:txBody>
+      </p:sp>
+      <p:sp>
+        <p:nvSpPr>
+          <p:cNvPr id="15" name="AutoShape 3"/>
+          <p:cNvSpPr>
+            <a:spLocks noChangeArrowheads="1"/>
+          </p:cNvSpPr>
+          <p:nvPr/>
+        </p:nvSpPr>
+        <p:spPr bwMode="auto">
+          <a:xfrm>
+            <a:off x="997444" y="7183360"/>
+            <a:ext cx="10194186" cy="197105"/>
+          </a:xfrm>
+          <a:prstGeom prst="roundRect">
+            <a:avLst>
+              <a:gd name="adj" fmla="val 0"/>
+            </a:avLst>
+          </a:prstGeom>
+          <a:noFill/>
+          <a:ln>
+            <a:noFill/>
+          </a:ln>
+          <a:effectLst/>
+          <a:extLst>
+            <a:ext uri="{909E8E84-426E-40DD-AFC4-6F175D3DCCD1}">
+              <a14:hiddenFill xmlns:a14="http://schemas.microsoft.com/office/drawing/2010/main">
+                <a:solidFill>
+                  <a:schemeClr val="accent1"/>
+                </a:solidFill>
+              </a14:hiddenFill>
+            </a:ext>
+            <a:ext uri="{91240B29-F687-4F45-9708-019B960494DF}">
+              <a14:hiddenLine xmlns:a14="http://schemas.microsoft.com/office/drawing/2010/main" w="9525">
+                <a:solidFill>
+                  <a:schemeClr val="tx1"/>
+                </a:solidFill>
+                <a:round/>
+                <a:headEnd/>
+                <a:tailEnd/>
+              </a14:hiddenLine>
+            </a:ext>
+            <a:ext uri="{AF507438-7753-43E0-B8FC-AC1667EBCBE1}">
+              <a14:hiddenEffects xmlns:a14="http://schemas.microsoft.com/office/drawing/2010/main">
+                <a:effectLst>
+                  <a:outerShdw dist="35921" dir="2700000" algn="ctr" rotWithShape="0">
+                    <a:schemeClr val="bg2"/>
+                  </a:outerShdw>
+                </a:effectLst>
+              </a14:hiddenEffects>
+            </a:ext>
+          </a:extLst>
+        </p:spPr>
+        <p:txBody>
+          <a:bodyPr wrap="square" lIns="0" tIns="0" rIns="0" bIns="0" anchor="ctr" anchorCtr="0">
+            <a:spAutoFit/>
+          </a:bodyPr>
+          <a:lstStyle/>
+          <a:p>
+            <a:pPr algn="r">
+              <a:lnSpc>
+                <a:spcPct val="140000"/>
+              </a:lnSpc>
+              <a:spcBef>
+                <a:spcPct val="0"/>
+              </a:spcBef>
+            </a:pPr>
+            <a:r>
+              <a:rPr lang="ja-JP" altLang="en-US" sz="985" dirty="0">
+                <a:latin typeface="メイリオ" pitchFamily="50" charset="-128"/>
+                <a:ea typeface="メイリオ" pitchFamily="50" charset="-128"/>
+                <a:cs typeface="メイリオ" pitchFamily="50" charset="-128"/>
+              </a:rPr>
+              <a:t>　</a:t>
+            </a:r>
+            <a:endParaRPr lang="en-US" altLang="ja-JP" sz="985" dirty="0">
+              <a:latin typeface="メイリオ" pitchFamily="50" charset="-128"/>
+              <a:ea typeface="メイリオ" pitchFamily="50" charset="-128"/>
+              <a:cs typeface="メイリオ" pitchFamily="50" charset="-128"/>
+            </a:endParaRPr>
+          </a:p>
+        </p:txBody>
+      </p:sp>
+      <p:pic>
+        <p:nvPicPr>
+          <p:cNvPr id="6" name="図 5">
+            <a:extLst>
+              <a:ext uri="{FF2B5EF4-FFF2-40B4-BE49-F238E27FC236}">
+                <a16:creationId xmlns:a16="http://schemas.microsoft.com/office/drawing/2014/main" id="{7C5883E1-4AC4-4AF6-A6F6-23966B3E477C}"/>
+              </a:ext>
+            </a:extLst>
+          </p:cNvPr>
+          <p:cNvPicPr>
+            <a:picLocks noChangeAspect="1"/>
+          </p:cNvPicPr>
+          <p:nvPr/>
+        </p:nvPicPr>
+        <p:blipFill>
+          <a:blip r:embed="rId2"/>
+          <a:stretch>
+            <a:fillRect/>
+          </a:stretch>
+        </p:blipFill>
+        <p:spPr>
+          <a:xfrm>
+            <a:off x="989333" y="1070642"/>
+            <a:ext cx="10707594" cy="5506218"/>
+          </a:xfrm>
+          <a:prstGeom prst="rect">
+            <a:avLst/>
+          </a:prstGeom>
+        </p:spPr>
+      </p:pic>
+    </p:spTree>
+    <p:extLst>
+      <p:ext uri="{BB962C8B-B14F-4D97-AF65-F5344CB8AC3E}">
+        <p14:creationId xmlns:p14="http://schemas.microsoft.com/office/powerpoint/2010/main" val="3467452252"/>
       </p:ext>
     </p:extLst>
   </p:cSld>
